--- a/MSDSPresentationTemplate.pptx
+++ b/MSDSPresentationTemplate.pptx
@@ -10,11 +10,11 @@
   <p:sldIdLst>
     <p:sldId id="256" r:id="rId2"/>
     <p:sldId id="257" r:id="rId3"/>
-    <p:sldId id="258" r:id="rId4"/>
-    <p:sldId id="267" r:id="rId5"/>
-    <p:sldId id="268" r:id="rId6"/>
-    <p:sldId id="269" r:id="rId7"/>
-    <p:sldId id="270" r:id="rId8"/>
+    <p:sldId id="269" r:id="rId4"/>
+    <p:sldId id="270" r:id="rId5"/>
+    <p:sldId id="258" r:id="rId6"/>
+    <p:sldId id="267" r:id="rId7"/>
+    <p:sldId id="268" r:id="rId8"/>
     <p:sldId id="271" r:id="rId9"/>
     <p:sldId id="272" r:id="rId10"/>
     <p:sldId id="273" r:id="rId11"/>
@@ -217,7 +217,7 @@
           <a:p>
             <a:fld id="{935336F5-A68D-9A4A-83AB-B8CD6FA5C732}" type="datetimeFigureOut">
               <a:rPr lang="en-US" smtClean="0"/>
-              <a:t>6/17/18</a:t>
+              <a:t>6/24/18</a:t>
             </a:fld>
             <a:endParaRPr lang="en-US"/>
           </a:p>
@@ -866,7 +866,7 @@
           <a:p>
             <a:fld id="{D8AC05B1-2526-7C44-8A74-66C916069F4A}" type="datetime1">
               <a:rPr lang="en-US" smtClean="0"/>
-              <a:t>6/17/18</a:t>
+              <a:t>6/24/18</a:t>
             </a:fld>
             <a:endParaRPr lang="en-US"/>
           </a:p>
@@ -1057,7 +1057,7 @@
           <a:p>
             <a:fld id="{C0E5C021-D243-504D-84B8-D45D829E8B6B}" type="datetime1">
               <a:rPr lang="en-US" smtClean="0"/>
-              <a:t>6/17/18</a:t>
+              <a:t>6/24/18</a:t>
             </a:fld>
             <a:endParaRPr lang="en-US"/>
           </a:p>
@@ -1238,7 +1238,7 @@
           <a:p>
             <a:fld id="{B6F93F85-28A1-8344-9763-EF19E19F9128}" type="datetime1">
               <a:rPr lang="en-US" smtClean="0"/>
-              <a:t>6/17/18</a:t>
+              <a:t>6/24/18</a:t>
             </a:fld>
             <a:endParaRPr lang="en-US"/>
           </a:p>
@@ -1502,7 +1502,7 @@
           <a:p>
             <a:fld id="{A2B5E9FB-9AD4-754B-A772-6D3733DD5BAC}" type="datetime1">
               <a:rPr lang="en-US" smtClean="0"/>
-              <a:t>6/17/18</a:t>
+              <a:t>6/24/18</a:t>
             </a:fld>
             <a:endParaRPr lang="en-US"/>
           </a:p>
@@ -1745,7 +1745,7 @@
           <a:p>
             <a:fld id="{3140DF9E-9222-EE48-A64D-28DE5FAE4784}" type="datetime1">
               <a:rPr lang="en-US" smtClean="0"/>
-              <a:t>6/17/18</a:t>
+              <a:t>6/24/18</a:t>
             </a:fld>
             <a:endParaRPr lang="en-US"/>
           </a:p>
@@ -2123,7 +2123,7 @@
           <a:p>
             <a:fld id="{A61490FA-57A5-0041-9FDC-ACD83A9AA0E7}" type="datetime1">
               <a:rPr lang="en-US" smtClean="0"/>
-              <a:t>6/17/18</a:t>
+              <a:t>6/24/18</a:t>
             </a:fld>
             <a:endParaRPr lang="en-US"/>
           </a:p>
@@ -2252,7 +2252,7 @@
           <a:p>
             <a:fld id="{7E8290BC-2F66-E549-BF33-0BE20A5801B5}" type="datetime1">
               <a:rPr lang="en-US" smtClean="0"/>
-              <a:t>6/17/18</a:t>
+              <a:t>6/24/18</a:t>
             </a:fld>
             <a:endParaRPr lang="en-US"/>
           </a:p>
@@ -2358,7 +2358,7 @@
           <a:p>
             <a:fld id="{3BC728CC-7587-8545-9431-C9A8BB34EC62}" type="datetime1">
               <a:rPr lang="en-US" smtClean="0"/>
-              <a:t>6/17/18</a:t>
+              <a:t>6/24/18</a:t>
             </a:fld>
             <a:endParaRPr lang="en-US"/>
           </a:p>
@@ -2646,7 +2646,7 @@
           <a:p>
             <a:fld id="{9A66CD15-5422-0542-9CE8-BC312846333A}" type="datetime1">
               <a:rPr lang="en-US" smtClean="0"/>
-              <a:t>6/17/18</a:t>
+              <a:t>6/24/18</a:t>
             </a:fld>
             <a:endParaRPr lang="en-US"/>
           </a:p>
@@ -2914,7 +2914,7 @@
           <a:p>
             <a:fld id="{2A2384D1-AE54-4D4A-B83F-6EAD03BEB987}" type="datetime1">
               <a:rPr lang="en-US" smtClean="0"/>
-              <a:t>6/17/18</a:t>
+              <a:t>6/24/18</a:t>
             </a:fld>
             <a:endParaRPr lang="en-US"/>
           </a:p>
@@ -4860,7 +4860,7 @@
           <a:p>
             <a:r>
               <a:rPr lang="en-US" dirty="0"/>
-              <a:t>Motivation</a:t>
+              <a:t>Motivation behind our Geovisual Framework</a:t>
             </a:r>
           </a:p>
         </p:txBody>
@@ -4893,37 +4893,28 @@
             </a:r>
           </a:p>
           <a:p>
-            <a:pPr lvl="1"/>
+            <a:pPr lvl="2"/>
             <a:r>
               <a:rPr lang="en-US" dirty="0"/>
-              <a:t>National Incident-Based Reporting System (NIBRS)</a:t>
+              <a:t>Open data cities on average have 176.7 datasets available (Government Information Quarterly)</a:t>
             </a:r>
           </a:p>
           <a:p>
             <a:pPr lvl="2"/>
             <a:r>
+              <a:rPr lang="en-US" dirty="0" err="1"/>
+              <a:t>Data.gov</a:t>
+            </a:r>
+            <a:r>
               <a:rPr lang="en-US" dirty="0"/>
-              <a:t>Why NIBRS?</a:t>
-            </a:r>
-          </a:p>
-          <a:p>
+              <a:t> cites 48 in the U.S. (last update 2015)</a:t>
+            </a:r>
+          </a:p>
+          <a:p>
+            <a:pPr lvl="2"/>
             <a:r>
               <a:rPr lang="en-US" dirty="0"/>
-              <a:t>Data source</a:t>
-            </a:r>
-          </a:p>
-          <a:p>
-            <a:pPr lvl="1"/>
-            <a:r>
-              <a:rPr lang="en-US" dirty="0"/>
-              <a:t>City of Dallas Open Data Portal</a:t>
-            </a:r>
-          </a:p>
-          <a:p>
-            <a:pPr lvl="2"/>
-            <a:r>
-              <a:rPr lang="en-US" dirty="0"/>
-              <a:t>Police Incident Data</a:t>
+              <a:t>Forbes cites 90 (2018 article)</a:t>
             </a:r>
           </a:p>
         </p:txBody>
@@ -5210,7 +5201,7 @@
           <a:p>
             <a:r>
               <a:rPr lang="en-US" dirty="0"/>
-              <a:t>20 slides total</a:t>
+              <a:t>Motivation behind our Geovisual Framework</a:t>
             </a:r>
           </a:p>
         </p:txBody>
@@ -5232,8 +5223,40 @@
           <a:p>
             <a:r>
               <a:rPr lang="en-US" dirty="0"/>
-              <a:t>A total of 20 slides are allowed for content for a total presentation time of 5 minutes</a:t>
-            </a:r>
+              <a:t>Two phase motivation</a:t>
+            </a:r>
+          </a:p>
+          <a:p>
+            <a:pPr lvl="1"/>
+            <a:r>
+              <a:rPr lang="en-US" dirty="0"/>
+              <a:t>National Incident-Based Reporting System (NIBRS)</a:t>
+            </a:r>
+          </a:p>
+          <a:p>
+            <a:pPr lvl="2"/>
+            <a:r>
+              <a:rPr lang="en-US" dirty="0"/>
+              <a:t>New crime reporting standard starting in 2021</a:t>
+            </a:r>
+          </a:p>
+          <a:p>
+            <a:pPr lvl="2"/>
+            <a:r>
+              <a:rPr lang="en-US" dirty="0"/>
+              <a:t>Allows up to 10 offenses per incident</a:t>
+            </a:r>
+          </a:p>
+          <a:p>
+            <a:pPr lvl="2"/>
+            <a:r>
+              <a:rPr lang="en-US" dirty="0"/>
+              <a:t>Higher level detail on less serious crimes</a:t>
+            </a:r>
+          </a:p>
+          <a:p>
+            <a:pPr lvl="3"/>
+            <a:endParaRPr lang="en-US" dirty="0"/>
           </a:p>
           <a:p>
             <a:endParaRPr lang="en-US" dirty="0"/>
@@ -5266,7 +5289,7 @@
     </p:spTree>
     <p:extLst>
       <p:ext uri="{BB962C8B-B14F-4D97-AF65-F5344CB8AC3E}">
-        <p14:creationId xmlns:p14="http://schemas.microsoft.com/office/powerpoint/2010/main" val="1881417302"/>
+        <p14:creationId xmlns:p14="http://schemas.microsoft.com/office/powerpoint/2010/main" val="2023716259"/>
       </p:ext>
     </p:extLst>
   </p:cSld>
@@ -5318,7 +5341,7 @@
           <a:p>
             <a:r>
               <a:rPr lang="en-US" dirty="0"/>
-              <a:t>Slide Format</a:t>
+              <a:t>Motivation behind our Geovisual Framework</a:t>
             </a:r>
           </a:p>
         </p:txBody>
@@ -5340,32 +5363,7 @@
           <a:p>
             <a:r>
               <a:rPr lang="en-US" dirty="0"/>
-              <a:t>This is a generic slide format:</a:t>
-            </a:r>
-          </a:p>
-          <a:p>
-            <a:pPr lvl="1"/>
-            <a:r>
-              <a:rPr lang="en-US" dirty="0"/>
-              <a:t>White background</a:t>
-            </a:r>
-          </a:p>
-          <a:p>
-            <a:pPr lvl="1"/>
-            <a:r>
-              <a:rPr lang="en-US" dirty="0" err="1"/>
-              <a:t>DataScience@SMU</a:t>
-            </a:r>
-            <a:r>
-              <a:rPr lang="en-US" dirty="0"/>
-              <a:t> in bottom left corner</a:t>
-            </a:r>
-          </a:p>
-          <a:p>
-            <a:pPr lvl="1"/>
-            <a:r>
-              <a:rPr lang="en-US" dirty="0"/>
-              <a:t>Page number in bottom right corner</a:t>
+              <a:t>Currently, no standards exist for geovisual framework to display criminal activity on digital maps.</a:t>
             </a:r>
           </a:p>
         </p:txBody>
@@ -5396,7 +5394,7 @@
     </p:spTree>
     <p:extLst>
       <p:ext uri="{BB962C8B-B14F-4D97-AF65-F5344CB8AC3E}">
-        <p14:creationId xmlns:p14="http://schemas.microsoft.com/office/powerpoint/2010/main" val="273623629"/>
+        <p14:creationId xmlns:p14="http://schemas.microsoft.com/office/powerpoint/2010/main" val="753163827"/>
       </p:ext>
     </p:extLst>
   </p:cSld>
@@ -5448,7 +5446,7 @@
           <a:p>
             <a:r>
               <a:rPr lang="en-US" dirty="0"/>
-              <a:t>Hacking the Slide Format</a:t>
+              <a:t>Data Source</a:t>
             </a:r>
           </a:p>
         </p:txBody>
@@ -5465,56 +5463,72 @@
         </p:nvSpPr>
         <p:spPr/>
         <p:txBody>
-          <a:bodyPr>
-            <a:normAutofit lnSpcReduction="10000"/>
-          </a:bodyPr>
+          <a:bodyPr/>
           <a:lstStyle/>
           <a:p>
             <a:r>
               <a:rPr lang="en-US" dirty="0"/>
-              <a:t>Hacking the slide format is allowed</a:t>
-            </a:r>
-          </a:p>
-          <a:p>
+              <a:t>Data source</a:t>
+            </a:r>
+          </a:p>
+          <a:p>
+            <a:pPr lvl="1"/>
             <a:r>
               <a:rPr lang="en-US" dirty="0"/>
-              <a:t>However, </a:t>
+              <a:t>City of Dallas Open Data Portal</a:t>
+            </a:r>
+          </a:p>
+          <a:p>
+            <a:pPr lvl="2"/>
+            <a:r>
+              <a:rPr lang="en-US" dirty="0"/>
+              <a:t>Police Incident Data</a:t>
+            </a:r>
+          </a:p>
+          <a:p>
+            <a:pPr lvl="3"/>
+            <a:r>
+              <a:rPr lang="en-US" dirty="0"/>
+              <a:t>386K Rows</a:t>
+            </a:r>
+          </a:p>
+          <a:p>
+            <a:pPr lvl="3"/>
+            <a:r>
+              <a:rPr lang="en-US" dirty="0"/>
+              <a:t>103 Columns</a:t>
+            </a:r>
+          </a:p>
+          <a:p>
+            <a:pPr lvl="3"/>
+            <a:r>
+              <a:rPr lang="en-US" dirty="0"/>
+              <a:t>2015 - 2018</a:t>
             </a:r>
           </a:p>
           <a:p>
             <a:pPr lvl="1"/>
             <a:r>
               <a:rPr lang="en-US" dirty="0"/>
-              <a:t>The total number of slides </a:t>
+              <a:t>Our mapping focuses on burglaries</a:t>
             </a:r>
           </a:p>
           <a:p>
             <a:pPr lvl="2"/>
             <a:r>
               <a:rPr lang="en-US" dirty="0"/>
-              <a:t>must be 21</a:t>
-            </a:r>
-          </a:p>
-          <a:p>
-            <a:pPr lvl="1"/>
+              <a:t>Ability to segment</a:t>
+            </a:r>
+          </a:p>
+          <a:p>
+            <a:pPr lvl="2"/>
             <a:r>
               <a:rPr lang="en-US" dirty="0"/>
-              <a:t>The slides must transition automatically every 15 seconds</a:t>
-            </a:r>
-          </a:p>
-          <a:p>
-            <a:pPr lvl="1"/>
-            <a:r>
-              <a:rPr lang="en-US" dirty="0"/>
-              <a:t>The aspect must be the standard format (not 16:9)</a:t>
-            </a:r>
-          </a:p>
-          <a:p>
-            <a:pPr lvl="1"/>
-            <a:r>
-              <a:rPr lang="en-US" dirty="0"/>
-              <a:t>The footer information must be present and in the same position as this template</a:t>
-            </a:r>
+              <a:t>Not an overwhelming number like breaking into cars</a:t>
+            </a:r>
+          </a:p>
+          <a:p>
+            <a:endParaRPr lang="en-US" dirty="0"/>
           </a:p>
         </p:txBody>
       </p:sp>
@@ -5544,7 +5558,7 @@
     </p:spTree>
     <p:extLst>
       <p:ext uri="{BB962C8B-B14F-4D97-AF65-F5344CB8AC3E}">
-        <p14:creationId xmlns:p14="http://schemas.microsoft.com/office/powerpoint/2010/main" val="1029844376"/>
+        <p14:creationId xmlns:p14="http://schemas.microsoft.com/office/powerpoint/2010/main" val="1881417302"/>
       </p:ext>
     </p:extLst>
   </p:cSld>
@@ -5594,7 +5608,10 @@
           <a:bodyPr/>
           <a:lstStyle/>
           <a:p>
-            <a:endParaRPr lang="en-US"/>
+            <a:r>
+              <a:rPr lang="en-US" dirty="0"/>
+              <a:t>Map Making</a:t>
+            </a:r>
           </a:p>
         </p:txBody>
       </p:sp>
@@ -5613,7 +5630,29 @@
           <a:bodyPr/>
           <a:lstStyle/>
           <a:p>
-            <a:endParaRPr lang="en-US"/>
+            <a:r>
+              <a:rPr lang="en-US" dirty="0"/>
+              <a:t>Our maps are built with Leaflet</a:t>
+            </a:r>
+          </a:p>
+          <a:p>
+            <a:pPr lvl="1"/>
+            <a:r>
+              <a:rPr lang="en-US" dirty="0"/>
+              <a:t>Leaflet provides an easy platform to build interactive maps for the web</a:t>
+            </a:r>
+          </a:p>
+          <a:p>
+            <a:pPr lvl="1"/>
+            <a:r>
+              <a:rPr lang="en-US" dirty="0"/>
+              <a:t>Leaflet and R is very </a:t>
+            </a:r>
+            <a:r>
+              <a:rPr lang="en-US"/>
+              <a:t>user friendly</a:t>
+            </a:r>
+            <a:endParaRPr lang="en-US" dirty="0"/>
           </a:p>
         </p:txBody>
       </p:sp>
@@ -5643,7 +5682,7 @@
     </p:spTree>
     <p:extLst>
       <p:ext uri="{BB962C8B-B14F-4D97-AF65-F5344CB8AC3E}">
-        <p14:creationId xmlns:p14="http://schemas.microsoft.com/office/powerpoint/2010/main" val="2023716259"/>
+        <p14:creationId xmlns:p14="http://schemas.microsoft.com/office/powerpoint/2010/main" val="273623629"/>
       </p:ext>
     </p:extLst>
   </p:cSld>
@@ -5693,7 +5732,10 @@
           <a:bodyPr/>
           <a:lstStyle/>
           <a:p>
-            <a:endParaRPr lang="en-US"/>
+            <a:r>
+              <a:rPr lang="en-US" dirty="0"/>
+              <a:t>Hacking the Slide Format</a:t>
+            </a:r>
           </a:p>
         </p:txBody>
       </p:sp>
@@ -5709,10 +5751,56 @@
         </p:nvSpPr>
         <p:spPr/>
         <p:txBody>
-          <a:bodyPr/>
-          <a:lstStyle/>
-          <a:p>
-            <a:endParaRPr lang="en-US"/>
+          <a:bodyPr>
+            <a:normAutofit lnSpcReduction="10000"/>
+          </a:bodyPr>
+          <a:lstStyle/>
+          <a:p>
+            <a:r>
+              <a:rPr lang="en-US" dirty="0"/>
+              <a:t>Hacking the slide format is allowed</a:t>
+            </a:r>
+          </a:p>
+          <a:p>
+            <a:r>
+              <a:rPr lang="en-US" dirty="0"/>
+              <a:t>However, </a:t>
+            </a:r>
+          </a:p>
+          <a:p>
+            <a:pPr lvl="1"/>
+            <a:r>
+              <a:rPr lang="en-US" dirty="0"/>
+              <a:t>The total number of slides </a:t>
+            </a:r>
+          </a:p>
+          <a:p>
+            <a:pPr lvl="2"/>
+            <a:r>
+              <a:rPr lang="en-US" dirty="0"/>
+              <a:t>must be 21</a:t>
+            </a:r>
+          </a:p>
+          <a:p>
+            <a:pPr lvl="1"/>
+            <a:r>
+              <a:rPr lang="en-US" dirty="0"/>
+              <a:t>The slides must transition automatically every 15 seconds</a:t>
+            </a:r>
+          </a:p>
+          <a:p>
+            <a:pPr lvl="1"/>
+            <a:r>
+              <a:rPr lang="en-US" dirty="0"/>
+              <a:t>The aspect must be the standard format (not 16:9)</a:t>
+            </a:r>
+          </a:p>
+          <a:p>
+            <a:pPr lvl="1"/>
+            <a:r>
+              <a:rPr lang="en-US" dirty="0"/>
+              <a:t>The footer information must be present and in the same position as this template</a:t>
+            </a:r>
           </a:p>
         </p:txBody>
       </p:sp>
@@ -5742,7 +5830,7 @@
     </p:spTree>
     <p:extLst>
       <p:ext uri="{BB962C8B-B14F-4D97-AF65-F5344CB8AC3E}">
-        <p14:creationId xmlns:p14="http://schemas.microsoft.com/office/powerpoint/2010/main" val="753163827"/>
+        <p14:creationId xmlns:p14="http://schemas.microsoft.com/office/powerpoint/2010/main" val="1029844376"/>
       </p:ext>
     </p:extLst>
   </p:cSld>
